--- a/Figures.pptx
+++ b/Figures.pptx
@@ -199,7 +199,7 @@
           <a:p>
             <a:fld id="{B47B41F5-D7E7-2245-A966-B74F813D0551}" type="datetimeFigureOut">
               <a:rPr lang="en-US" smtClean="0"/>
-              <a:t>5/27/25</a:t>
+              <a:t>5/29/25</a:t>
             </a:fld>
             <a:endParaRPr lang="en-US"/>
           </a:p>
@@ -682,7 +682,7 @@
           <a:p>
             <a:fld id="{3EC36E2E-C1E1-134D-B24F-A52C83510D06}" type="datetimeFigureOut">
               <a:rPr lang="en-US" smtClean="0"/>
-              <a:t>5/27/25</a:t>
+              <a:t>5/29/25</a:t>
             </a:fld>
             <a:endParaRPr lang="en-US"/>
           </a:p>
@@ -852,7 +852,7 @@
           <a:p>
             <a:fld id="{3EC36E2E-C1E1-134D-B24F-A52C83510D06}" type="datetimeFigureOut">
               <a:rPr lang="en-US" smtClean="0"/>
-              <a:t>5/27/25</a:t>
+              <a:t>5/29/25</a:t>
             </a:fld>
             <a:endParaRPr lang="en-US"/>
           </a:p>
@@ -1032,7 +1032,7 @@
           <a:p>
             <a:fld id="{3EC36E2E-C1E1-134D-B24F-A52C83510D06}" type="datetimeFigureOut">
               <a:rPr lang="en-US" smtClean="0"/>
-              <a:t>5/27/25</a:t>
+              <a:t>5/29/25</a:t>
             </a:fld>
             <a:endParaRPr lang="en-US"/>
           </a:p>
@@ -1202,7 +1202,7 @@
           <a:p>
             <a:fld id="{3EC36E2E-C1E1-134D-B24F-A52C83510D06}" type="datetimeFigureOut">
               <a:rPr lang="en-US" smtClean="0"/>
-              <a:t>5/27/25</a:t>
+              <a:t>5/29/25</a:t>
             </a:fld>
             <a:endParaRPr lang="en-US"/>
           </a:p>
@@ -1446,7 +1446,7 @@
           <a:p>
             <a:fld id="{3EC36E2E-C1E1-134D-B24F-A52C83510D06}" type="datetimeFigureOut">
               <a:rPr lang="en-US" smtClean="0"/>
-              <a:t>5/27/25</a:t>
+              <a:t>5/29/25</a:t>
             </a:fld>
             <a:endParaRPr lang="en-US"/>
           </a:p>
@@ -1678,7 +1678,7 @@
           <a:p>
             <a:fld id="{3EC36E2E-C1E1-134D-B24F-A52C83510D06}" type="datetimeFigureOut">
               <a:rPr lang="en-US" smtClean="0"/>
-              <a:t>5/27/25</a:t>
+              <a:t>5/29/25</a:t>
             </a:fld>
             <a:endParaRPr lang="en-US"/>
           </a:p>
@@ -2045,7 +2045,7 @@
           <a:p>
             <a:fld id="{3EC36E2E-C1E1-134D-B24F-A52C83510D06}" type="datetimeFigureOut">
               <a:rPr lang="en-US" smtClean="0"/>
-              <a:t>5/27/25</a:t>
+              <a:t>5/29/25</a:t>
             </a:fld>
             <a:endParaRPr lang="en-US"/>
           </a:p>
@@ -2163,7 +2163,7 @@
           <a:p>
             <a:fld id="{3EC36E2E-C1E1-134D-B24F-A52C83510D06}" type="datetimeFigureOut">
               <a:rPr lang="en-US" smtClean="0"/>
-              <a:t>5/27/25</a:t>
+              <a:t>5/29/25</a:t>
             </a:fld>
             <a:endParaRPr lang="en-US"/>
           </a:p>
@@ -2258,7 +2258,7 @@
           <a:p>
             <a:fld id="{3EC36E2E-C1E1-134D-B24F-A52C83510D06}" type="datetimeFigureOut">
               <a:rPr lang="en-US" smtClean="0"/>
-              <a:t>5/27/25</a:t>
+              <a:t>5/29/25</a:t>
             </a:fld>
             <a:endParaRPr lang="en-US"/>
           </a:p>
@@ -2535,7 +2535,7 @@
           <a:p>
             <a:fld id="{3EC36E2E-C1E1-134D-B24F-A52C83510D06}" type="datetimeFigureOut">
               <a:rPr lang="en-US" smtClean="0"/>
-              <a:t>5/27/25</a:t>
+              <a:t>5/29/25</a:t>
             </a:fld>
             <a:endParaRPr lang="en-US"/>
           </a:p>
@@ -2792,7 +2792,7 @@
           <a:p>
             <a:fld id="{3EC36E2E-C1E1-134D-B24F-A52C83510D06}" type="datetimeFigureOut">
               <a:rPr lang="en-US" smtClean="0"/>
-              <a:t>5/27/25</a:t>
+              <a:t>5/29/25</a:t>
             </a:fld>
             <a:endParaRPr lang="en-US"/>
           </a:p>
@@ -3005,7 +3005,7 @@
           <a:p>
             <a:fld id="{3EC36E2E-C1E1-134D-B24F-A52C83510D06}" type="datetimeFigureOut">
               <a:rPr lang="en-US" smtClean="0"/>
-              <a:t>5/27/25</a:t>
+              <a:t>5/29/25</a:t>
             </a:fld>
             <a:endParaRPr lang="en-US"/>
           </a:p>
@@ -9443,13 +9443,452 @@
         </p:nvPicPr>
         <p:blipFill rotWithShape="1">
           <a:blip r:embed="rId2"/>
-          <a:srcRect t="9323"/>
+          <a:srcRect t="9323" b="20075"/>
           <a:stretch/>
         </p:blipFill>
         <p:spPr>
           <a:xfrm>
-            <a:off x="16933" y="1117600"/>
-            <a:ext cx="21578400" cy="10870400"/>
+            <a:off x="16933" y="96520"/>
+            <a:ext cx="21578400" cy="8463820"/>
+          </a:xfrm>
+          <a:prstGeom prst="rect">
+            <a:avLst/>
+          </a:prstGeom>
+        </p:spPr>
+      </p:pic>
+      <p:sp>
+        <p:nvSpPr>
+          <p:cNvPr id="4" name="Rectangle 3">
+            <a:extLst>
+              <a:ext uri="{FF2B5EF4-FFF2-40B4-BE49-F238E27FC236}">
+                <a16:creationId xmlns:a16="http://schemas.microsoft.com/office/drawing/2014/main" id="{6F07122F-4297-FB2E-6A85-33F14892D1BA}"/>
+              </a:ext>
+            </a:extLst>
+          </p:cNvPr>
+          <p:cNvSpPr/>
+          <p:nvPr/>
+        </p:nvSpPr>
+        <p:spPr>
+          <a:xfrm>
+            <a:off x="1454704" y="192092"/>
+            <a:ext cx="3486947" cy="338666"/>
+          </a:xfrm>
+          <a:prstGeom prst="rect">
+            <a:avLst/>
+          </a:prstGeom>
+          <a:solidFill>
+            <a:schemeClr val="bg1">
+              <a:lumMod val="85000"/>
+            </a:schemeClr>
+          </a:solidFill>
+          <a:ln>
+            <a:noFill/>
+          </a:ln>
+        </p:spPr>
+        <p:style>
+          <a:lnRef idx="2">
+            <a:schemeClr val="accent1">
+              <a:shade val="15000"/>
+            </a:schemeClr>
+          </a:lnRef>
+          <a:fillRef idx="1">
+            <a:schemeClr val="accent1"/>
+          </a:fillRef>
+          <a:effectRef idx="0">
+            <a:schemeClr val="accent1"/>
+          </a:effectRef>
+          <a:fontRef idx="minor">
+            <a:schemeClr val="lt1"/>
+          </a:fontRef>
+        </p:style>
+        <p:txBody>
+          <a:bodyPr rtlCol="0" anchor="ctr"/>
+          <a:lstStyle/>
+          <a:p>
+            <a:pPr algn="ctr"/>
+            <a:r>
+              <a:rPr lang="en-US" sz="2000" i="1" dirty="0">
+                <a:solidFill>
+                  <a:schemeClr val="tx1">
+                    <a:lumMod val="75000"/>
+                    <a:lumOff val="25000"/>
+                  </a:schemeClr>
+                </a:solidFill>
+                <a:latin typeface="Verdana" panose="020B0604030504040204" pitchFamily="34" charset="0"/>
+                <a:ea typeface="Verdana" panose="020B0604030504040204" pitchFamily="34" charset="0"/>
+                <a:cs typeface="Verdana" panose="020B0604030504040204" pitchFamily="34" charset="0"/>
+              </a:rPr>
+              <a:t>Amaranthus hybridus</a:t>
+            </a:r>
+          </a:p>
+        </p:txBody>
+      </p:sp>
+      <p:sp>
+        <p:nvSpPr>
+          <p:cNvPr id="5" name="Rectangle 4">
+            <a:extLst>
+              <a:ext uri="{FF2B5EF4-FFF2-40B4-BE49-F238E27FC236}">
+                <a16:creationId xmlns:a16="http://schemas.microsoft.com/office/drawing/2014/main" id="{1100B0BD-78AB-117C-BEEF-A278C8F50726}"/>
+              </a:ext>
+            </a:extLst>
+          </p:cNvPr>
+          <p:cNvSpPr/>
+          <p:nvPr/>
+        </p:nvSpPr>
+        <p:spPr>
+          <a:xfrm>
+            <a:off x="5428034" y="192092"/>
+            <a:ext cx="3553838" cy="338666"/>
+          </a:xfrm>
+          <a:prstGeom prst="rect">
+            <a:avLst/>
+          </a:prstGeom>
+          <a:solidFill>
+            <a:schemeClr val="bg1">
+              <a:lumMod val="85000"/>
+            </a:schemeClr>
+          </a:solidFill>
+          <a:ln>
+            <a:noFill/>
+          </a:ln>
+        </p:spPr>
+        <p:style>
+          <a:lnRef idx="2">
+            <a:schemeClr val="accent1">
+              <a:shade val="15000"/>
+            </a:schemeClr>
+          </a:lnRef>
+          <a:fillRef idx="1">
+            <a:schemeClr val="accent1"/>
+          </a:fillRef>
+          <a:effectRef idx="0">
+            <a:schemeClr val="accent1"/>
+          </a:effectRef>
+          <a:fontRef idx="minor">
+            <a:schemeClr val="lt1"/>
+          </a:fontRef>
+        </p:style>
+        <p:txBody>
+          <a:bodyPr rtlCol="0" anchor="ctr"/>
+          <a:lstStyle/>
+          <a:p>
+            <a:pPr algn="ctr"/>
+            <a:r>
+              <a:rPr lang="en-US" sz="2000" i="1" dirty="0">
+                <a:solidFill>
+                  <a:schemeClr val="tx1">
+                    <a:lumMod val="75000"/>
+                    <a:lumOff val="25000"/>
+                  </a:schemeClr>
+                </a:solidFill>
+                <a:latin typeface="Verdana" panose="020B0604030504040204" pitchFamily="34" charset="0"/>
+                <a:ea typeface="Verdana" panose="020B0604030504040204" pitchFamily="34" charset="0"/>
+                <a:cs typeface="Verdana" panose="020B0604030504040204" pitchFamily="34" charset="0"/>
+              </a:rPr>
+              <a:t>Celosiea argentea</a:t>
+            </a:r>
+          </a:p>
+        </p:txBody>
+      </p:sp>
+      <p:sp>
+        <p:nvSpPr>
+          <p:cNvPr id="6" name="Rectangle 5">
+            <a:extLst>
+              <a:ext uri="{FF2B5EF4-FFF2-40B4-BE49-F238E27FC236}">
+                <a16:creationId xmlns:a16="http://schemas.microsoft.com/office/drawing/2014/main" id="{A469606F-8937-1823-9E69-1AB19AFFFACD}"/>
+              </a:ext>
+            </a:extLst>
+          </p:cNvPr>
+          <p:cNvSpPr/>
+          <p:nvPr/>
+        </p:nvSpPr>
+        <p:spPr>
+          <a:xfrm>
+            <a:off x="9338553" y="221001"/>
+            <a:ext cx="3783157" cy="338666"/>
+          </a:xfrm>
+          <a:prstGeom prst="rect">
+            <a:avLst/>
+          </a:prstGeom>
+          <a:solidFill>
+            <a:schemeClr val="bg1">
+              <a:lumMod val="85000"/>
+            </a:schemeClr>
+          </a:solidFill>
+          <a:ln>
+            <a:noFill/>
+          </a:ln>
+        </p:spPr>
+        <p:style>
+          <a:lnRef idx="2">
+            <a:schemeClr val="accent1">
+              <a:shade val="15000"/>
+            </a:schemeClr>
+          </a:lnRef>
+          <a:fillRef idx="1">
+            <a:schemeClr val="accent1"/>
+          </a:fillRef>
+          <a:effectRef idx="0">
+            <a:schemeClr val="accent1"/>
+          </a:effectRef>
+          <a:fontRef idx="minor">
+            <a:schemeClr val="lt1"/>
+          </a:fontRef>
+        </p:style>
+        <p:txBody>
+          <a:bodyPr rtlCol="0" anchor="ctr"/>
+          <a:lstStyle/>
+          <a:p>
+            <a:pPr algn="ctr"/>
+            <a:r>
+              <a:rPr lang="en-US" sz="2000" i="1" dirty="0">
+                <a:solidFill>
+                  <a:schemeClr val="tx1">
+                    <a:lumMod val="75000"/>
+                    <a:lumOff val="25000"/>
+                  </a:schemeClr>
+                </a:solidFill>
+                <a:latin typeface="Verdana" panose="020B0604030504040204" pitchFamily="34" charset="0"/>
+                <a:ea typeface="Verdana" panose="020B0604030504040204" pitchFamily="34" charset="0"/>
+                <a:cs typeface="Verdana" panose="020B0604030504040204" pitchFamily="34" charset="0"/>
+              </a:rPr>
+              <a:t>Corchorus olitorius</a:t>
+            </a:r>
+          </a:p>
+        </p:txBody>
+      </p:sp>
+      <p:sp>
+        <p:nvSpPr>
+          <p:cNvPr id="7" name="Rectangle 6">
+            <a:extLst>
+              <a:ext uri="{FF2B5EF4-FFF2-40B4-BE49-F238E27FC236}">
+                <a16:creationId xmlns:a16="http://schemas.microsoft.com/office/drawing/2014/main" id="{F70F5AE7-FE6E-41A3-F32A-9F21A43FFB09}"/>
+              </a:ext>
+            </a:extLst>
+          </p:cNvPr>
+          <p:cNvSpPr/>
+          <p:nvPr/>
+        </p:nvSpPr>
+        <p:spPr>
+          <a:xfrm>
+            <a:off x="13369951" y="239196"/>
+            <a:ext cx="3783156" cy="338666"/>
+          </a:xfrm>
+          <a:prstGeom prst="rect">
+            <a:avLst/>
+          </a:prstGeom>
+          <a:solidFill>
+            <a:schemeClr val="bg1">
+              <a:lumMod val="85000"/>
+            </a:schemeClr>
+          </a:solidFill>
+          <a:ln>
+            <a:noFill/>
+          </a:ln>
+        </p:spPr>
+        <p:style>
+          <a:lnRef idx="2">
+            <a:schemeClr val="accent1">
+              <a:shade val="15000"/>
+            </a:schemeClr>
+          </a:lnRef>
+          <a:fillRef idx="1">
+            <a:schemeClr val="accent1"/>
+          </a:fillRef>
+          <a:effectRef idx="0">
+            <a:schemeClr val="accent1"/>
+          </a:effectRef>
+          <a:fontRef idx="minor">
+            <a:schemeClr val="lt1"/>
+          </a:fontRef>
+        </p:style>
+        <p:txBody>
+          <a:bodyPr rtlCol="0" anchor="ctr"/>
+          <a:lstStyle/>
+          <a:p>
+            <a:pPr algn="ctr"/>
+            <a:r>
+              <a:rPr lang="en-US" sz="2000" i="1" dirty="0">
+                <a:solidFill>
+                  <a:schemeClr val="tx1">
+                    <a:lumMod val="75000"/>
+                    <a:lumOff val="25000"/>
+                  </a:schemeClr>
+                </a:solidFill>
+                <a:latin typeface="Verdana" panose="020B0604030504040204" pitchFamily="34" charset="0"/>
+                <a:ea typeface="Verdana" panose="020B0604030504040204" pitchFamily="34" charset="0"/>
+                <a:cs typeface="Verdana" panose="020B0604030504040204" pitchFamily="34" charset="0"/>
+              </a:rPr>
+              <a:t>Solanum macrocarpon</a:t>
+            </a:r>
+          </a:p>
+        </p:txBody>
+      </p:sp>
+      <p:sp>
+        <p:nvSpPr>
+          <p:cNvPr id="8" name="Rectangle 7">
+            <a:extLst>
+              <a:ext uri="{FF2B5EF4-FFF2-40B4-BE49-F238E27FC236}">
+                <a16:creationId xmlns:a16="http://schemas.microsoft.com/office/drawing/2014/main" id="{491F6667-D093-7126-5B33-D5C1D804034D}"/>
+              </a:ext>
+            </a:extLst>
+          </p:cNvPr>
+          <p:cNvSpPr/>
+          <p:nvPr/>
+        </p:nvSpPr>
+        <p:spPr>
+          <a:xfrm>
+            <a:off x="17401348" y="239196"/>
+            <a:ext cx="3785496" cy="338666"/>
+          </a:xfrm>
+          <a:prstGeom prst="rect">
+            <a:avLst/>
+          </a:prstGeom>
+          <a:solidFill>
+            <a:schemeClr val="bg1">
+              <a:lumMod val="85000"/>
+            </a:schemeClr>
+          </a:solidFill>
+          <a:ln>
+            <a:noFill/>
+          </a:ln>
+        </p:spPr>
+        <p:style>
+          <a:lnRef idx="2">
+            <a:schemeClr val="accent1">
+              <a:shade val="15000"/>
+            </a:schemeClr>
+          </a:lnRef>
+          <a:fillRef idx="1">
+            <a:schemeClr val="accent1"/>
+          </a:fillRef>
+          <a:effectRef idx="0">
+            <a:schemeClr val="accent1"/>
+          </a:effectRef>
+          <a:fontRef idx="minor">
+            <a:schemeClr val="lt1"/>
+          </a:fontRef>
+        </p:style>
+        <p:txBody>
+          <a:bodyPr rtlCol="0" anchor="ctr"/>
+          <a:lstStyle/>
+          <a:p>
+            <a:pPr algn="ctr"/>
+            <a:r>
+              <a:rPr lang="en-US" sz="2000" i="1" dirty="0">
+                <a:solidFill>
+                  <a:schemeClr val="tx1">
+                    <a:lumMod val="75000"/>
+                    <a:lumOff val="25000"/>
+                  </a:schemeClr>
+                </a:solidFill>
+                <a:latin typeface="Verdana" panose="020B0604030504040204" pitchFamily="34" charset="0"/>
+                <a:ea typeface="Verdana" panose="020B0604030504040204" pitchFamily="34" charset="0"/>
+                <a:cs typeface="Verdana" panose="020B0604030504040204" pitchFamily="34" charset="0"/>
+              </a:rPr>
+              <a:t>Telfairia occidentalis</a:t>
+            </a:r>
+          </a:p>
+        </p:txBody>
+      </p:sp>
+      <p:pic>
+        <p:nvPicPr>
+          <p:cNvPr id="9" name="Picture 8">
+            <a:extLst>
+              <a:ext uri="{FF2B5EF4-FFF2-40B4-BE49-F238E27FC236}">
+                <a16:creationId xmlns:a16="http://schemas.microsoft.com/office/drawing/2014/main" id="{8BBF6C68-999A-9B88-DD74-BE6B32E5B0DA}"/>
+              </a:ext>
+            </a:extLst>
+          </p:cNvPr>
+          <p:cNvPicPr>
+            <a:picLocks noChangeAspect="1"/>
+          </p:cNvPicPr>
+          <p:nvPr/>
+        </p:nvPicPr>
+        <p:blipFill rotWithShape="1">
+          <a:blip r:embed="rId2"/>
+          <a:srcRect t="91773" b="3034"/>
+          <a:stretch/>
+        </p:blipFill>
+        <p:spPr>
+          <a:xfrm>
+            <a:off x="0" y="8968902"/>
+            <a:ext cx="21578400" cy="622571"/>
+          </a:xfrm>
+          <a:prstGeom prst="rect">
+            <a:avLst/>
+          </a:prstGeom>
+        </p:spPr>
+      </p:pic>
+      <p:sp>
+        <p:nvSpPr>
+          <p:cNvPr id="10" name="TextBox 9">
+            <a:extLst>
+              <a:ext uri="{FF2B5EF4-FFF2-40B4-BE49-F238E27FC236}">
+                <a16:creationId xmlns:a16="http://schemas.microsoft.com/office/drawing/2014/main" id="{A1843FAD-A8FF-AB83-EA3F-DD6EDC867E90}"/>
+              </a:ext>
+            </a:extLst>
+          </p:cNvPr>
+          <p:cNvSpPr txBox="1"/>
+          <p:nvPr/>
+        </p:nvSpPr>
+        <p:spPr>
+          <a:xfrm>
+            <a:off x="0" y="8586684"/>
+            <a:ext cx="21578399" cy="461665"/>
+          </a:xfrm>
+          <a:prstGeom prst="rect">
+            <a:avLst/>
+          </a:prstGeom>
+          <a:noFill/>
+        </p:spPr>
+        <p:txBody>
+          <a:bodyPr wrap="square" rtlCol="0">
+            <a:spAutoFit/>
+          </a:bodyPr>
+          <a:lstStyle/>
+          <a:p>
+            <a:pPr algn="ctr"/>
+            <a:r>
+              <a:rPr lang="en-US" sz="2400" dirty="0">
+                <a:solidFill>
+                  <a:schemeClr val="tx1">
+                    <a:lumMod val="75000"/>
+                    <a:lumOff val="25000"/>
+                  </a:schemeClr>
+                </a:solidFill>
+                <a:latin typeface="Arial" panose="020B0604020202020204" pitchFamily="34" charset="0"/>
+                <a:ea typeface="Verdana" panose="020B0604030504040204" pitchFamily="34" charset="0"/>
+                <a:cs typeface="Arial" panose="020B0604020202020204" pitchFamily="34" charset="0"/>
+              </a:rPr>
+              <a:t>Samples</a:t>
+            </a:r>
+          </a:p>
+        </p:txBody>
+      </p:sp>
+      <p:pic>
+        <p:nvPicPr>
+          <p:cNvPr id="13" name="Picture 12">
+            <a:extLst>
+              <a:ext uri="{FF2B5EF4-FFF2-40B4-BE49-F238E27FC236}">
+                <a16:creationId xmlns:a16="http://schemas.microsoft.com/office/drawing/2014/main" id="{C74C5D8D-F9C0-1C19-C69C-B2C9BD8993F1}"/>
+              </a:ext>
+            </a:extLst>
+          </p:cNvPr>
+          <p:cNvPicPr>
+            <a:picLocks noChangeAspect="1"/>
+          </p:cNvPicPr>
+          <p:nvPr/>
+        </p:nvPicPr>
+        <p:blipFill rotWithShape="1">
+          <a:blip r:embed="rId3"/>
+          <a:srcRect t="6742" b="3889"/>
+          <a:stretch/>
+        </p:blipFill>
+        <p:spPr>
+          <a:xfrm>
+            <a:off x="-1" y="9921921"/>
+            <a:ext cx="21578404" cy="10713493"/>
           </a:xfrm>
           <a:prstGeom prst="rect">
             <a:avLst/>

--- a/Figures.pptx
+++ b/Figures.pptx
@@ -9895,6 +9895,578 @@
           </a:prstGeom>
         </p:spPr>
       </p:pic>
+      <p:sp>
+        <p:nvSpPr>
+          <p:cNvPr id="15" name="Rectangle 14">
+            <a:extLst>
+              <a:ext uri="{FF2B5EF4-FFF2-40B4-BE49-F238E27FC236}">
+                <a16:creationId xmlns:a16="http://schemas.microsoft.com/office/drawing/2014/main" id="{B24F781C-7BD6-8B94-42E1-E99E5DC24022}"/>
+              </a:ext>
+            </a:extLst>
+          </p:cNvPr>
+          <p:cNvSpPr/>
+          <p:nvPr/>
+        </p:nvSpPr>
+        <p:spPr>
+          <a:xfrm>
+            <a:off x="1228299" y="17605612"/>
+            <a:ext cx="2033516" cy="477672"/>
+          </a:xfrm>
+          <a:prstGeom prst="rect">
+            <a:avLst/>
+          </a:prstGeom>
+          <a:solidFill>
+            <a:schemeClr val="bg1"/>
+          </a:solidFill>
+          <a:ln>
+            <a:noFill/>
+          </a:ln>
+        </p:spPr>
+        <p:style>
+          <a:lnRef idx="2">
+            <a:schemeClr val="accent1">
+              <a:shade val="15000"/>
+            </a:schemeClr>
+          </a:lnRef>
+          <a:fillRef idx="1">
+            <a:schemeClr val="accent1"/>
+          </a:fillRef>
+          <a:effectRef idx="0">
+            <a:schemeClr val="accent1"/>
+          </a:effectRef>
+          <a:fontRef idx="minor">
+            <a:schemeClr val="lt1"/>
+          </a:fontRef>
+        </p:style>
+        <p:txBody>
+          <a:bodyPr rtlCol="0" anchor="ctr"/>
+          <a:lstStyle/>
+          <a:p>
+            <a:r>
+              <a:rPr lang="en-US" sz="2400" b="1" dirty="0">
+                <a:solidFill>
+                  <a:schemeClr val="tx1"/>
+                </a:solidFill>
+                <a:latin typeface="Verdana" panose="020B0604030504040204" pitchFamily="34" charset="0"/>
+                <a:ea typeface="Verdana" panose="020B0604030504040204" pitchFamily="34" charset="0"/>
+                <a:cs typeface="Verdana" panose="020B0604030504040204" pitchFamily="34" charset="0"/>
+              </a:rPr>
+              <a:t>Total ASVs</a:t>
+            </a:r>
+          </a:p>
+        </p:txBody>
+      </p:sp>
+      <p:sp>
+        <p:nvSpPr>
+          <p:cNvPr id="16" name="Rectangle 15">
+            <a:extLst>
+              <a:ext uri="{FF2B5EF4-FFF2-40B4-BE49-F238E27FC236}">
+                <a16:creationId xmlns:a16="http://schemas.microsoft.com/office/drawing/2014/main" id="{CB717F20-63FF-6B35-11E4-0646B800EF77}"/>
+              </a:ext>
+            </a:extLst>
+          </p:cNvPr>
+          <p:cNvSpPr/>
+          <p:nvPr/>
+        </p:nvSpPr>
+        <p:spPr>
+          <a:xfrm>
+            <a:off x="11739350" y="17605612"/>
+            <a:ext cx="2033516" cy="477672"/>
+          </a:xfrm>
+          <a:prstGeom prst="rect">
+            <a:avLst/>
+          </a:prstGeom>
+          <a:solidFill>
+            <a:schemeClr val="bg1"/>
+          </a:solidFill>
+          <a:ln>
+            <a:noFill/>
+          </a:ln>
+        </p:spPr>
+        <p:style>
+          <a:lnRef idx="2">
+            <a:schemeClr val="accent1">
+              <a:shade val="15000"/>
+            </a:schemeClr>
+          </a:lnRef>
+          <a:fillRef idx="1">
+            <a:schemeClr val="accent1"/>
+          </a:fillRef>
+          <a:effectRef idx="0">
+            <a:schemeClr val="accent1"/>
+          </a:effectRef>
+          <a:fontRef idx="minor">
+            <a:schemeClr val="lt1"/>
+          </a:fontRef>
+        </p:style>
+        <p:txBody>
+          <a:bodyPr rtlCol="0" anchor="ctr"/>
+          <a:lstStyle/>
+          <a:p>
+            <a:r>
+              <a:rPr lang="en-US" sz="2400" b="1" dirty="0">
+                <a:solidFill>
+                  <a:schemeClr val="tx1"/>
+                </a:solidFill>
+                <a:latin typeface="Verdana" panose="020B0604030504040204" pitchFamily="34" charset="0"/>
+                <a:ea typeface="Verdana" panose="020B0604030504040204" pitchFamily="34" charset="0"/>
+                <a:cs typeface="Verdana" panose="020B0604030504040204" pitchFamily="34" charset="0"/>
+              </a:rPr>
+              <a:t>Total ASVs</a:t>
+            </a:r>
+          </a:p>
+        </p:txBody>
+      </p:sp>
+      <p:pic>
+        <p:nvPicPr>
+          <p:cNvPr id="20" name="Picture 19">
+            <a:extLst>
+              <a:ext uri="{FF2B5EF4-FFF2-40B4-BE49-F238E27FC236}">
+                <a16:creationId xmlns:a16="http://schemas.microsoft.com/office/drawing/2014/main" id="{2C8DD62F-4133-4A55-66DB-1D4FD48665FD}"/>
+              </a:ext>
+            </a:extLst>
+          </p:cNvPr>
+          <p:cNvPicPr>
+            <a:picLocks noChangeAspect="1"/>
+          </p:cNvPicPr>
+          <p:nvPr/>
+        </p:nvPicPr>
+        <p:blipFill>
+          <a:blip r:embed="rId4"/>
+          <a:stretch>
+            <a:fillRect/>
+          </a:stretch>
+        </p:blipFill>
+        <p:spPr>
+          <a:xfrm>
+            <a:off x="113755" y="20591274"/>
+            <a:ext cx="11127023" cy="7200000"/>
+          </a:xfrm>
+          <a:prstGeom prst="rect">
+            <a:avLst/>
+          </a:prstGeom>
+        </p:spPr>
+      </p:pic>
+      <p:pic>
+        <p:nvPicPr>
+          <p:cNvPr id="21" name="Picture 20">
+            <a:extLst>
+              <a:ext uri="{FF2B5EF4-FFF2-40B4-BE49-F238E27FC236}">
+                <a16:creationId xmlns:a16="http://schemas.microsoft.com/office/drawing/2014/main" id="{E68F4171-C5AC-0327-4745-00FFA82A92AF}"/>
+              </a:ext>
+            </a:extLst>
+          </p:cNvPr>
+          <p:cNvPicPr>
+            <a:picLocks noChangeAspect="1"/>
+          </p:cNvPicPr>
+          <p:nvPr/>
+        </p:nvPicPr>
+        <p:blipFill>
+          <a:blip r:embed="rId5"/>
+          <a:stretch>
+            <a:fillRect/>
+          </a:stretch>
+        </p:blipFill>
+        <p:spPr>
+          <a:xfrm>
+            <a:off x="11521696" y="20737662"/>
+            <a:ext cx="11127022" cy="7200000"/>
+          </a:xfrm>
+          <a:prstGeom prst="rect">
+            <a:avLst/>
+          </a:prstGeom>
+        </p:spPr>
+      </p:pic>
+      <p:sp>
+        <p:nvSpPr>
+          <p:cNvPr id="22" name="Rectangle 21">
+            <a:extLst>
+              <a:ext uri="{FF2B5EF4-FFF2-40B4-BE49-F238E27FC236}">
+                <a16:creationId xmlns:a16="http://schemas.microsoft.com/office/drawing/2014/main" id="{75F0E6C5-8A99-615F-CDE7-C9885C94BB96}"/>
+              </a:ext>
+            </a:extLst>
+          </p:cNvPr>
+          <p:cNvSpPr/>
+          <p:nvPr/>
+        </p:nvSpPr>
+        <p:spPr>
+          <a:xfrm>
+            <a:off x="2361062" y="26140893"/>
+            <a:ext cx="2251881" cy="338666"/>
+          </a:xfrm>
+          <a:prstGeom prst="rect">
+            <a:avLst/>
+          </a:prstGeom>
+          <a:solidFill>
+            <a:schemeClr val="bg1"/>
+          </a:solidFill>
+          <a:ln>
+            <a:noFill/>
+          </a:ln>
+        </p:spPr>
+        <p:style>
+          <a:lnRef idx="2">
+            <a:schemeClr val="accent1">
+              <a:shade val="15000"/>
+            </a:schemeClr>
+          </a:lnRef>
+          <a:fillRef idx="1">
+            <a:schemeClr val="accent1"/>
+          </a:fillRef>
+          <a:effectRef idx="0">
+            <a:schemeClr val="accent1"/>
+          </a:effectRef>
+          <a:fontRef idx="minor">
+            <a:schemeClr val="lt1"/>
+          </a:fontRef>
+        </p:style>
+        <p:txBody>
+          <a:bodyPr rtlCol="0" anchor="ctr"/>
+          <a:lstStyle/>
+          <a:p>
+            <a:pPr algn="r"/>
+            <a:r>
+              <a:rPr lang="en-US" sz="1400" i="1" dirty="0">
+                <a:solidFill>
+                  <a:schemeClr val="tx1">
+                    <a:lumMod val="75000"/>
+                    <a:lumOff val="25000"/>
+                  </a:schemeClr>
+                </a:solidFill>
+                <a:latin typeface="Verdana" panose="020B0604030504040204" pitchFamily="34" charset="0"/>
+                <a:ea typeface="Verdana" panose="020B0604030504040204" pitchFamily="34" charset="0"/>
+                <a:cs typeface="Verdana" panose="020B0604030504040204" pitchFamily="34" charset="0"/>
+              </a:rPr>
+              <a:t>Amaranthus hybridus</a:t>
+            </a:r>
+          </a:p>
+        </p:txBody>
+      </p:sp>
+      <p:sp>
+        <p:nvSpPr>
+          <p:cNvPr id="23" name="Rectangle 22">
+            <a:extLst>
+              <a:ext uri="{FF2B5EF4-FFF2-40B4-BE49-F238E27FC236}">
+                <a16:creationId xmlns:a16="http://schemas.microsoft.com/office/drawing/2014/main" id="{10B95796-42D7-7B26-27D6-DB3CE359F90C}"/>
+              </a:ext>
+            </a:extLst>
+          </p:cNvPr>
+          <p:cNvSpPr/>
+          <p:nvPr/>
+        </p:nvSpPr>
+        <p:spPr>
+          <a:xfrm>
+            <a:off x="2080145" y="25802227"/>
+            <a:ext cx="2532798" cy="338666"/>
+          </a:xfrm>
+          <a:prstGeom prst="rect">
+            <a:avLst/>
+          </a:prstGeom>
+          <a:solidFill>
+            <a:schemeClr val="bg1"/>
+          </a:solidFill>
+          <a:ln>
+            <a:noFill/>
+          </a:ln>
+        </p:spPr>
+        <p:style>
+          <a:lnRef idx="2">
+            <a:schemeClr val="accent1">
+              <a:shade val="15000"/>
+            </a:schemeClr>
+          </a:lnRef>
+          <a:fillRef idx="1">
+            <a:schemeClr val="accent1"/>
+          </a:fillRef>
+          <a:effectRef idx="0">
+            <a:schemeClr val="accent1"/>
+          </a:effectRef>
+          <a:fontRef idx="minor">
+            <a:schemeClr val="lt1"/>
+          </a:fontRef>
+        </p:style>
+        <p:txBody>
+          <a:bodyPr rtlCol="0" anchor="ctr"/>
+          <a:lstStyle/>
+          <a:p>
+            <a:pPr algn="r"/>
+            <a:r>
+              <a:rPr lang="en-US" sz="1400" b="1" i="1" dirty="0">
+                <a:solidFill>
+                  <a:schemeClr val="tx1">
+                    <a:lumMod val="75000"/>
+                    <a:lumOff val="25000"/>
+                  </a:schemeClr>
+                </a:solidFill>
+                <a:latin typeface="Verdana" panose="020B0604030504040204" pitchFamily="34" charset="0"/>
+                <a:ea typeface="Verdana" panose="020B0604030504040204" pitchFamily="34" charset="0"/>
+                <a:cs typeface="Verdana" panose="020B0604030504040204" pitchFamily="34" charset="0"/>
+              </a:rPr>
+              <a:t>Solanum macrocarpon</a:t>
+            </a:r>
+          </a:p>
+        </p:txBody>
+      </p:sp>
+      <p:sp>
+        <p:nvSpPr>
+          <p:cNvPr id="24" name="Rectangle 23">
+            <a:extLst>
+              <a:ext uri="{FF2B5EF4-FFF2-40B4-BE49-F238E27FC236}">
+                <a16:creationId xmlns:a16="http://schemas.microsoft.com/office/drawing/2014/main" id="{692507C6-099C-70FB-D787-EECFB57C0700}"/>
+              </a:ext>
+            </a:extLst>
+          </p:cNvPr>
+          <p:cNvSpPr/>
+          <p:nvPr/>
+        </p:nvSpPr>
+        <p:spPr>
+          <a:xfrm>
+            <a:off x="2562695" y="25428309"/>
+            <a:ext cx="2050247" cy="338666"/>
+          </a:xfrm>
+          <a:prstGeom prst="rect">
+            <a:avLst/>
+          </a:prstGeom>
+          <a:solidFill>
+            <a:schemeClr val="bg1"/>
+          </a:solidFill>
+          <a:ln>
+            <a:noFill/>
+          </a:ln>
+        </p:spPr>
+        <p:style>
+          <a:lnRef idx="2">
+            <a:schemeClr val="accent1">
+              <a:shade val="15000"/>
+            </a:schemeClr>
+          </a:lnRef>
+          <a:fillRef idx="1">
+            <a:schemeClr val="accent1"/>
+          </a:fillRef>
+          <a:effectRef idx="0">
+            <a:schemeClr val="accent1"/>
+          </a:effectRef>
+          <a:fontRef idx="minor">
+            <a:schemeClr val="lt1"/>
+          </a:fontRef>
+        </p:style>
+        <p:txBody>
+          <a:bodyPr rtlCol="0" anchor="ctr"/>
+          <a:lstStyle/>
+          <a:p>
+            <a:pPr algn="r"/>
+            <a:r>
+              <a:rPr lang="en-US" sz="1400" b="1" i="1" dirty="0">
+                <a:solidFill>
+                  <a:schemeClr val="tx1">
+                    <a:lumMod val="75000"/>
+                    <a:lumOff val="25000"/>
+                  </a:schemeClr>
+                </a:solidFill>
+                <a:latin typeface="Verdana" panose="020B0604030504040204" pitchFamily="34" charset="0"/>
+                <a:ea typeface="Verdana" panose="020B0604030504040204" pitchFamily="34" charset="0"/>
+                <a:cs typeface="Verdana" panose="020B0604030504040204" pitchFamily="34" charset="0"/>
+              </a:rPr>
+              <a:t>Corchorus olitorus</a:t>
+            </a:r>
+          </a:p>
+        </p:txBody>
+      </p:sp>
+      <p:sp>
+        <p:nvSpPr>
+          <p:cNvPr id="25" name="Rectangle 24">
+            <a:extLst>
+              <a:ext uri="{FF2B5EF4-FFF2-40B4-BE49-F238E27FC236}">
+                <a16:creationId xmlns:a16="http://schemas.microsoft.com/office/drawing/2014/main" id="{6A36202A-2E27-F348-9F81-28849D55D1C9}"/>
+              </a:ext>
+            </a:extLst>
+          </p:cNvPr>
+          <p:cNvSpPr/>
+          <p:nvPr/>
+        </p:nvSpPr>
+        <p:spPr>
+          <a:xfrm>
+            <a:off x="2562694" y="25089643"/>
+            <a:ext cx="2050247" cy="338666"/>
+          </a:xfrm>
+          <a:prstGeom prst="rect">
+            <a:avLst/>
+          </a:prstGeom>
+          <a:solidFill>
+            <a:schemeClr val="bg1"/>
+          </a:solidFill>
+          <a:ln>
+            <a:noFill/>
+          </a:ln>
+        </p:spPr>
+        <p:style>
+          <a:lnRef idx="2">
+            <a:schemeClr val="accent1">
+              <a:shade val="15000"/>
+            </a:schemeClr>
+          </a:lnRef>
+          <a:fillRef idx="1">
+            <a:schemeClr val="accent1"/>
+          </a:fillRef>
+          <a:effectRef idx="0">
+            <a:schemeClr val="accent1"/>
+          </a:effectRef>
+          <a:fontRef idx="minor">
+            <a:schemeClr val="lt1"/>
+          </a:fontRef>
+        </p:style>
+        <p:txBody>
+          <a:bodyPr rtlCol="0" anchor="ctr"/>
+          <a:lstStyle/>
+          <a:p>
+            <a:pPr algn="r"/>
+            <a:r>
+              <a:rPr lang="en-US" sz="1400" b="1" i="1" dirty="0">
+                <a:solidFill>
+                  <a:schemeClr val="tx1">
+                    <a:lumMod val="75000"/>
+                    <a:lumOff val="25000"/>
+                  </a:schemeClr>
+                </a:solidFill>
+                <a:latin typeface="Verdana" panose="020B0604030504040204" pitchFamily="34" charset="0"/>
+                <a:ea typeface="Verdana" panose="020B0604030504040204" pitchFamily="34" charset="0"/>
+                <a:cs typeface="Verdana" panose="020B0604030504040204" pitchFamily="34" charset="0"/>
+              </a:rPr>
+              <a:t>Celosiea argentea</a:t>
+            </a:r>
+          </a:p>
+        </p:txBody>
+      </p:sp>
+      <p:sp>
+        <p:nvSpPr>
+          <p:cNvPr id="26" name="Rectangle 25">
+            <a:extLst>
+              <a:ext uri="{FF2B5EF4-FFF2-40B4-BE49-F238E27FC236}">
+                <a16:creationId xmlns:a16="http://schemas.microsoft.com/office/drawing/2014/main" id="{E1384AFC-BB39-75A6-4244-13DFFC54A3BB}"/>
+              </a:ext>
+            </a:extLst>
+          </p:cNvPr>
+          <p:cNvSpPr/>
+          <p:nvPr/>
+        </p:nvSpPr>
+        <p:spPr>
+          <a:xfrm>
+            <a:off x="2080143" y="26140893"/>
+            <a:ext cx="2532798" cy="338666"/>
+          </a:xfrm>
+          <a:prstGeom prst="rect">
+            <a:avLst/>
+          </a:prstGeom>
+          <a:solidFill>
+            <a:schemeClr val="bg1"/>
+          </a:solidFill>
+          <a:ln>
+            <a:noFill/>
+          </a:ln>
+        </p:spPr>
+        <p:style>
+          <a:lnRef idx="2">
+            <a:schemeClr val="accent1">
+              <a:shade val="15000"/>
+            </a:schemeClr>
+          </a:lnRef>
+          <a:fillRef idx="1">
+            <a:schemeClr val="accent1"/>
+          </a:fillRef>
+          <a:effectRef idx="0">
+            <a:schemeClr val="accent1"/>
+          </a:effectRef>
+          <a:fontRef idx="minor">
+            <a:schemeClr val="lt1"/>
+          </a:fontRef>
+        </p:style>
+        <p:txBody>
+          <a:bodyPr rtlCol="0" anchor="ctr"/>
+          <a:lstStyle/>
+          <a:p>
+            <a:pPr algn="r"/>
+            <a:r>
+              <a:rPr lang="en-US" sz="1400" b="1" i="1" dirty="0">
+                <a:solidFill>
+                  <a:schemeClr val="tx1">
+                    <a:lumMod val="75000"/>
+                    <a:lumOff val="25000"/>
+                  </a:schemeClr>
+                </a:solidFill>
+                <a:latin typeface="Verdana" panose="020B0604030504040204" pitchFamily="34" charset="0"/>
+                <a:ea typeface="Verdana" panose="020B0604030504040204" pitchFamily="34" charset="0"/>
+                <a:cs typeface="Verdana" panose="020B0604030504040204" pitchFamily="34" charset="0"/>
+              </a:rPr>
+              <a:t>Amaranthus hybridus</a:t>
+            </a:r>
+          </a:p>
+        </p:txBody>
+      </p:sp>
+      <p:sp>
+        <p:nvSpPr>
+          <p:cNvPr id="27" name="Rectangle 26">
+            <a:extLst>
+              <a:ext uri="{FF2B5EF4-FFF2-40B4-BE49-F238E27FC236}">
+                <a16:creationId xmlns:a16="http://schemas.microsoft.com/office/drawing/2014/main" id="{EFBD6C30-2CCA-3670-260B-08D23829AF5C}"/>
+              </a:ext>
+            </a:extLst>
+          </p:cNvPr>
+          <p:cNvSpPr/>
+          <p:nvPr/>
+        </p:nvSpPr>
+        <p:spPr>
+          <a:xfrm>
+            <a:off x="2080143" y="26514811"/>
+            <a:ext cx="2532798" cy="338666"/>
+          </a:xfrm>
+          <a:prstGeom prst="rect">
+            <a:avLst/>
+          </a:prstGeom>
+          <a:solidFill>
+            <a:schemeClr val="bg1"/>
+          </a:solidFill>
+          <a:ln>
+            <a:noFill/>
+          </a:ln>
+        </p:spPr>
+        <p:style>
+          <a:lnRef idx="2">
+            <a:schemeClr val="accent1">
+              <a:shade val="15000"/>
+            </a:schemeClr>
+          </a:lnRef>
+          <a:fillRef idx="1">
+            <a:schemeClr val="accent1"/>
+          </a:fillRef>
+          <a:effectRef idx="0">
+            <a:schemeClr val="accent1"/>
+          </a:effectRef>
+          <a:fontRef idx="minor">
+            <a:schemeClr val="lt1"/>
+          </a:fontRef>
+        </p:style>
+        <p:txBody>
+          <a:bodyPr rtlCol="0" anchor="ctr"/>
+          <a:lstStyle/>
+          <a:p>
+            <a:pPr algn="r"/>
+            <a:r>
+              <a:rPr lang="en-US" sz="1400" b="1" i="1" dirty="0">
+                <a:solidFill>
+                  <a:schemeClr val="tx1">
+                    <a:lumMod val="75000"/>
+                    <a:lumOff val="25000"/>
+                  </a:schemeClr>
+                </a:solidFill>
+                <a:latin typeface="Verdana" panose="020B0604030504040204" pitchFamily="34" charset="0"/>
+                <a:ea typeface="Verdana" panose="020B0604030504040204" pitchFamily="34" charset="0"/>
+                <a:cs typeface="Verdana" panose="020B0604030504040204" pitchFamily="34" charset="0"/>
+              </a:rPr>
+              <a:t>Telfairia occidentalis</a:t>
+            </a:r>
+          </a:p>
+        </p:txBody>
+      </p:sp>
     </p:spTree>
     <p:extLst>
       <p:ext uri="{BB962C8B-B14F-4D97-AF65-F5344CB8AC3E}">

--- a/Figures.pptx
+++ b/Figures.pptx
@@ -542,6 +542,90 @@
     <p:extLst>
       <p:ext uri="{BB962C8B-B14F-4D97-AF65-F5344CB8AC3E}">
         <p14:creationId xmlns:p14="http://schemas.microsoft.com/office/powerpoint/2010/main" val="4034841767"/>
+      </p:ext>
+    </p:extLst>
+  </p:cSld>
+  <p:clrMapOvr>
+    <a:masterClrMapping/>
+  </p:clrMapOvr>
+</p:notes>
+</file>
+
+<file path=ppt/notesSlides/notesSlide2.xml><?xml version="1.0" encoding="utf-8"?>
+<p:notes xmlns:a="http://schemas.openxmlformats.org/drawingml/2006/main" xmlns:r="http://schemas.openxmlformats.org/officeDocument/2006/relationships" xmlns:p="http://schemas.openxmlformats.org/presentationml/2006/main">
+  <p:cSld>
+    <p:spTree>
+      <p:nvGrpSpPr>
+        <p:cNvPr id="1" name=""/>
+        <p:cNvGrpSpPr/>
+        <p:nvPr/>
+      </p:nvGrpSpPr>
+      <p:grpSpPr>
+        <a:xfrm>
+          <a:off x="0" y="0"/>
+          <a:ext cx="0" cy="0"/>
+          <a:chOff x="0" y="0"/>
+          <a:chExt cx="0" cy="0"/>
+        </a:xfrm>
+      </p:grpSpPr>
+      <p:sp>
+        <p:nvSpPr>
+          <p:cNvPr id="2" name="Slide Image Placeholder 1"/>
+          <p:cNvSpPr>
+            <a:spLocks noGrp="1" noRot="1" noChangeAspect="1"/>
+          </p:cNvSpPr>
+          <p:nvPr>
+            <p:ph type="sldImg"/>
+          </p:nvPr>
+        </p:nvSpPr>
+        <p:spPr/>
+      </p:sp>
+      <p:sp>
+        <p:nvSpPr>
+          <p:cNvPr id="3" name="Notes Placeholder 2"/>
+          <p:cNvSpPr>
+            <a:spLocks noGrp="1"/>
+          </p:cNvSpPr>
+          <p:nvPr>
+            <p:ph type="body" idx="1"/>
+          </p:nvPr>
+        </p:nvSpPr>
+        <p:spPr/>
+        <p:txBody>
+          <a:bodyPr/>
+          <a:lstStyle/>
+          <a:p>
+            <a:endParaRPr lang="en-US" dirty="0"/>
+          </a:p>
+        </p:txBody>
+      </p:sp>
+      <p:sp>
+        <p:nvSpPr>
+          <p:cNvPr id="4" name="Slide Number Placeholder 3"/>
+          <p:cNvSpPr>
+            <a:spLocks noGrp="1"/>
+          </p:cNvSpPr>
+          <p:nvPr>
+            <p:ph type="sldNum" sz="quarter" idx="5"/>
+          </p:nvPr>
+        </p:nvSpPr>
+        <p:spPr/>
+        <p:txBody>
+          <a:bodyPr/>
+          <a:lstStyle/>
+          <a:p>
+            <a:fld id="{B26D73DD-E822-404D-9460-A2BC29D1A6EF}" type="slidenum">
+              <a:rPr lang="en-US" smtClean="0"/>
+              <a:t>2</a:t>
+            </a:fld>
+            <a:endParaRPr lang="en-US"/>
+          </a:p>
+        </p:txBody>
+      </p:sp>
+    </p:spTree>
+    <p:extLst>
+      <p:ext uri="{BB962C8B-B14F-4D97-AF65-F5344CB8AC3E}">
+        <p14:creationId xmlns:p14="http://schemas.microsoft.com/office/powerpoint/2010/main" val="1917218704"/>
       </p:ext>
     </p:extLst>
   </p:cSld>
@@ -7644,7 +7728,7 @@
           <p:nvPr/>
         </p:nvPicPr>
         <p:blipFill rotWithShape="1">
-          <a:blip r:embed="rId2"/>
+          <a:blip r:embed="rId3"/>
           <a:srcRect l="1439" t="14569" r="1816" b="27934"/>
           <a:stretch/>
         </p:blipFill>
@@ -7673,7 +7757,7 @@
           <p:nvPr/>
         </p:nvPicPr>
         <p:blipFill rotWithShape="1">
-          <a:blip r:embed="rId3"/>
+          <a:blip r:embed="rId4"/>
           <a:srcRect l="1438" t="14961" r="1755" b="23680"/>
           <a:stretch/>
         </p:blipFill>
@@ -7702,7 +7786,7 @@
           <p:nvPr/>
         </p:nvPicPr>
         <p:blipFill rotWithShape="1">
-          <a:blip r:embed="rId2"/>
+          <a:blip r:embed="rId3"/>
           <a:srcRect l="11732" t="84464" r="7357" b="4458"/>
           <a:stretch/>
         </p:blipFill>
@@ -7777,13 +7861,13 @@
           <p:nvPr/>
         </p:nvPicPr>
         <p:blipFill rotWithShape="1">
-          <a:blip r:embed="rId4"/>
+          <a:blip r:embed="rId5"/>
           <a:srcRect l="972" t="59499" b="2805"/>
           <a:stretch/>
         </p:blipFill>
         <p:spPr>
           <a:xfrm>
-            <a:off x="40682" y="24598813"/>
+            <a:off x="40682" y="23867292"/>
             <a:ext cx="21516360" cy="4550214"/>
           </a:xfrm>
           <a:prstGeom prst="rect">
@@ -7806,13 +7890,13 @@
           <p:nvPr/>
         </p:nvPicPr>
         <p:blipFill rotWithShape="1">
-          <a:blip r:embed="rId4"/>
+          <a:blip r:embed="rId5"/>
           <a:srcRect l="954" t="10307" b="51223"/>
           <a:stretch/>
         </p:blipFill>
         <p:spPr>
           <a:xfrm>
-            <a:off x="40686" y="19666790"/>
+            <a:off x="40686" y="19192965"/>
             <a:ext cx="21522002" cy="4644000"/>
           </a:xfrm>
           <a:prstGeom prst="rect">
@@ -7835,7 +7919,7 @@
           <p:nvPr/>
         </p:nvPicPr>
         <p:blipFill rotWithShape="1">
-          <a:blip r:embed="rId3"/>
+          <a:blip r:embed="rId4"/>
           <a:srcRect l="7931" t="88058" r="3946" b="3454"/>
           <a:stretch/>
         </p:blipFill>
@@ -7910,7 +7994,7 @@
           <p:nvPr/>
         </p:nvPicPr>
         <p:blipFill rotWithShape="1">
-          <a:blip r:embed="rId3"/>
+          <a:blip r:embed="rId4"/>
           <a:srcRect l="1438" t="9482" r="1755" b="85873"/>
           <a:stretch/>
         </p:blipFill>
@@ -7939,7 +8023,7 @@
           <p:nvPr/>
         </p:nvPicPr>
         <p:blipFill rotWithShape="1">
-          <a:blip r:embed="rId3"/>
+          <a:blip r:embed="rId4"/>
           <a:srcRect l="1438" t="9482" r="1755" b="85873"/>
           <a:stretch/>
         </p:blipFill>
@@ -7967,7 +8051,7 @@
         </p:nvSpPr>
         <p:spPr>
           <a:xfrm>
-            <a:off x="1648326" y="19454278"/>
+            <a:off x="1648326" y="18980453"/>
             <a:ext cx="5342021" cy="461665"/>
           </a:xfrm>
           <a:prstGeom prst="rect">
@@ -8013,7 +8097,7 @@
         </p:nvSpPr>
         <p:spPr>
           <a:xfrm>
-            <a:off x="8903368" y="19455231"/>
+            <a:off x="8903368" y="18981406"/>
             <a:ext cx="5342021" cy="461665"/>
           </a:xfrm>
           <a:prstGeom prst="rect">
@@ -8059,7 +8143,7 @@
         </p:nvSpPr>
         <p:spPr>
           <a:xfrm>
-            <a:off x="15872589" y="19482125"/>
+            <a:off x="15872589" y="19008300"/>
             <a:ext cx="5342021" cy="461665"/>
           </a:xfrm>
           <a:prstGeom prst="rect">
@@ -8105,7 +8189,7 @@
         </p:nvSpPr>
         <p:spPr>
           <a:xfrm>
-            <a:off x="1563662" y="27355398"/>
+            <a:off x="1563662" y="26623877"/>
             <a:ext cx="1463862" cy="707886"/>
           </a:xfrm>
           <a:prstGeom prst="rect">
@@ -8205,7 +8289,7 @@
         </p:nvSpPr>
         <p:spPr>
           <a:xfrm>
-            <a:off x="8822937" y="27355398"/>
+            <a:off x="8822937" y="26623877"/>
             <a:ext cx="1463862" cy="707886"/>
           </a:xfrm>
           <a:prstGeom prst="rect">
@@ -8305,7 +8389,7 @@
         </p:nvSpPr>
         <p:spPr>
           <a:xfrm>
-            <a:off x="15905303" y="27372331"/>
+            <a:off x="15905303" y="26640810"/>
             <a:ext cx="1463862" cy="707886"/>
           </a:xfrm>
           <a:prstGeom prst="rect">
@@ -8489,7 +8573,7 @@
         </p:nvSpPr>
         <p:spPr>
           <a:xfrm>
-            <a:off x="23749" y="19328236"/>
+            <a:off x="23749" y="18854411"/>
             <a:ext cx="486030" cy="769441"/>
           </a:xfrm>
           <a:prstGeom prst="rect">
@@ -8531,7 +8615,7 @@
         </p:nvSpPr>
         <p:spPr>
           <a:xfrm>
-            <a:off x="23749" y="24214092"/>
+            <a:off x="23749" y="23482571"/>
             <a:ext cx="532518" cy="769441"/>
           </a:xfrm>
           <a:prstGeom prst="rect">
@@ -8573,7 +8657,7 @@
         </p:nvSpPr>
         <p:spPr>
           <a:xfrm>
-            <a:off x="7135738" y="19328237"/>
+            <a:off x="7135738" y="18854412"/>
             <a:ext cx="460382" cy="769441"/>
           </a:xfrm>
           <a:prstGeom prst="rect">
@@ -8615,7 +8699,7 @@
         </p:nvSpPr>
         <p:spPr>
           <a:xfrm>
-            <a:off x="7135738" y="24214093"/>
+            <a:off x="7135738" y="23482572"/>
             <a:ext cx="444352" cy="769441"/>
           </a:xfrm>
           <a:prstGeom prst="rect">
@@ -8657,7 +8741,7 @@
         </p:nvSpPr>
         <p:spPr>
           <a:xfrm>
-            <a:off x="14450927" y="19328240"/>
+            <a:off x="14450927" y="18854415"/>
             <a:ext cx="540533" cy="769441"/>
           </a:xfrm>
           <a:prstGeom prst="rect">
@@ -8699,7 +8783,7 @@
         </p:nvSpPr>
         <p:spPr>
           <a:xfrm>
-            <a:off x="14450927" y="24214096"/>
+            <a:off x="14450927" y="23482575"/>
             <a:ext cx="535724" cy="769441"/>
           </a:xfrm>
           <a:prstGeom prst="rect">
@@ -9382,6 +9466,355 @@
             <a:pPr algn="ctr"/>
             <a:r>
               <a:rPr lang="en-US" sz="2000" i="1" dirty="0">
+                <a:solidFill>
+                  <a:schemeClr val="tx1">
+                    <a:lumMod val="75000"/>
+                    <a:lumOff val="25000"/>
+                  </a:schemeClr>
+                </a:solidFill>
+                <a:latin typeface="Verdana" panose="020B0604030504040204" pitchFamily="34" charset="0"/>
+                <a:ea typeface="Verdana" panose="020B0604030504040204" pitchFamily="34" charset="0"/>
+                <a:cs typeface="Verdana" panose="020B0604030504040204" pitchFamily="34" charset="0"/>
+              </a:rPr>
+              <a:t>Telfairia occidentalis</a:t>
+            </a:r>
+          </a:p>
+        </p:txBody>
+      </p:sp>
+      <p:pic>
+        <p:nvPicPr>
+          <p:cNvPr id="5" name="Picture 4">
+            <a:extLst>
+              <a:ext uri="{FF2B5EF4-FFF2-40B4-BE49-F238E27FC236}">
+                <a16:creationId xmlns:a16="http://schemas.microsoft.com/office/drawing/2014/main" id="{97B2C390-639C-805D-FD0D-7F0036E49B5D}"/>
+              </a:ext>
+            </a:extLst>
+          </p:cNvPr>
+          <p:cNvPicPr>
+            <a:picLocks noChangeAspect="1"/>
+          </p:cNvPicPr>
+          <p:nvPr/>
+        </p:nvPicPr>
+        <p:blipFill rotWithShape="1">
+          <a:blip r:embed="rId6"/>
+          <a:srcRect l="7366" t="87250" b="6903"/>
+          <a:stretch/>
+        </p:blipFill>
+        <p:spPr>
+          <a:xfrm>
+            <a:off x="1230284" y="28611943"/>
+            <a:ext cx="20008818" cy="473662"/>
+          </a:xfrm>
+          <a:prstGeom prst="rect">
+            <a:avLst/>
+          </a:prstGeom>
+        </p:spPr>
+      </p:pic>
+      <p:sp>
+        <p:nvSpPr>
+          <p:cNvPr id="6" name="Rectangle 5">
+            <a:extLst>
+              <a:ext uri="{FF2B5EF4-FFF2-40B4-BE49-F238E27FC236}">
+                <a16:creationId xmlns:a16="http://schemas.microsoft.com/office/drawing/2014/main" id="{F23A3451-AC99-6258-489C-3B4C74169596}"/>
+              </a:ext>
+            </a:extLst>
+          </p:cNvPr>
+          <p:cNvSpPr/>
+          <p:nvPr/>
+        </p:nvSpPr>
+        <p:spPr>
+          <a:xfrm>
+            <a:off x="1739123" y="28628569"/>
+            <a:ext cx="3545458" cy="457035"/>
+          </a:xfrm>
+          <a:prstGeom prst="rect">
+            <a:avLst/>
+          </a:prstGeom>
+          <a:solidFill>
+            <a:schemeClr val="bg1"/>
+          </a:solidFill>
+          <a:ln>
+            <a:noFill/>
+          </a:ln>
+        </p:spPr>
+        <p:style>
+          <a:lnRef idx="2">
+            <a:schemeClr val="accent1">
+              <a:shade val="15000"/>
+            </a:schemeClr>
+          </a:lnRef>
+          <a:fillRef idx="1">
+            <a:schemeClr val="accent1"/>
+          </a:fillRef>
+          <a:effectRef idx="0">
+            <a:schemeClr val="accent1"/>
+          </a:effectRef>
+          <a:fontRef idx="minor">
+            <a:schemeClr val="lt1"/>
+          </a:fontRef>
+        </p:style>
+        <p:txBody>
+          <a:bodyPr rtlCol="0" anchor="ctr"/>
+          <a:lstStyle/>
+          <a:p>
+            <a:r>
+              <a:rPr lang="en-US" sz="2400" i="1" dirty="0">
+                <a:solidFill>
+                  <a:schemeClr val="tx1">
+                    <a:lumMod val="75000"/>
+                    <a:lumOff val="25000"/>
+                  </a:schemeClr>
+                </a:solidFill>
+                <a:latin typeface="Verdana" panose="020B0604030504040204" pitchFamily="34" charset="0"/>
+                <a:ea typeface="Verdana" panose="020B0604030504040204" pitchFamily="34" charset="0"/>
+                <a:cs typeface="Verdana" panose="020B0604030504040204" pitchFamily="34" charset="0"/>
+              </a:rPr>
+              <a:t>Amaranthus hybridus</a:t>
+            </a:r>
+          </a:p>
+        </p:txBody>
+      </p:sp>
+      <p:sp>
+        <p:nvSpPr>
+          <p:cNvPr id="7" name="Rectangle 6">
+            <a:extLst>
+              <a:ext uri="{FF2B5EF4-FFF2-40B4-BE49-F238E27FC236}">
+                <a16:creationId xmlns:a16="http://schemas.microsoft.com/office/drawing/2014/main" id="{DCF2CDDD-C8F6-21DE-087A-891857934BAC}"/>
+              </a:ext>
+            </a:extLst>
+          </p:cNvPr>
+          <p:cNvSpPr/>
+          <p:nvPr/>
+        </p:nvSpPr>
+        <p:spPr>
+          <a:xfrm>
+            <a:off x="5858158" y="28619627"/>
+            <a:ext cx="3107963" cy="457035"/>
+          </a:xfrm>
+          <a:prstGeom prst="rect">
+            <a:avLst/>
+          </a:prstGeom>
+          <a:solidFill>
+            <a:schemeClr val="bg1"/>
+          </a:solidFill>
+          <a:ln>
+            <a:noFill/>
+          </a:ln>
+        </p:spPr>
+        <p:style>
+          <a:lnRef idx="2">
+            <a:schemeClr val="accent1">
+              <a:shade val="15000"/>
+            </a:schemeClr>
+          </a:lnRef>
+          <a:fillRef idx="1">
+            <a:schemeClr val="accent1"/>
+          </a:fillRef>
+          <a:effectRef idx="0">
+            <a:schemeClr val="accent1"/>
+          </a:effectRef>
+          <a:fontRef idx="minor">
+            <a:schemeClr val="lt1"/>
+          </a:fontRef>
+        </p:style>
+        <p:txBody>
+          <a:bodyPr rtlCol="0" anchor="ctr"/>
+          <a:lstStyle/>
+          <a:p>
+            <a:r>
+              <a:rPr lang="en-US" sz="2400" i="1" dirty="0">
+                <a:solidFill>
+                  <a:schemeClr val="tx1">
+                    <a:lumMod val="75000"/>
+                    <a:lumOff val="25000"/>
+                  </a:schemeClr>
+                </a:solidFill>
+                <a:latin typeface="Verdana" panose="020B0604030504040204" pitchFamily="34" charset="0"/>
+                <a:ea typeface="Verdana" panose="020B0604030504040204" pitchFamily="34" charset="0"/>
+                <a:cs typeface="Verdana" panose="020B0604030504040204" pitchFamily="34" charset="0"/>
+              </a:rPr>
+              <a:t>Celosiea argentea</a:t>
+            </a:r>
+          </a:p>
+        </p:txBody>
+      </p:sp>
+      <p:sp>
+        <p:nvSpPr>
+          <p:cNvPr id="8" name="Rectangle 7">
+            <a:extLst>
+              <a:ext uri="{FF2B5EF4-FFF2-40B4-BE49-F238E27FC236}">
+                <a16:creationId xmlns:a16="http://schemas.microsoft.com/office/drawing/2014/main" id="{EAB3B9DF-6CCC-FE57-439A-C9FCEA7C4D38}"/>
+              </a:ext>
+            </a:extLst>
+          </p:cNvPr>
+          <p:cNvSpPr/>
+          <p:nvPr/>
+        </p:nvSpPr>
+        <p:spPr>
+          <a:xfrm>
+            <a:off x="9551779" y="28619627"/>
+            <a:ext cx="3107963" cy="457035"/>
+          </a:xfrm>
+          <a:prstGeom prst="rect">
+            <a:avLst/>
+          </a:prstGeom>
+          <a:solidFill>
+            <a:schemeClr val="bg1"/>
+          </a:solidFill>
+          <a:ln>
+            <a:noFill/>
+          </a:ln>
+        </p:spPr>
+        <p:style>
+          <a:lnRef idx="2">
+            <a:schemeClr val="accent1">
+              <a:shade val="15000"/>
+            </a:schemeClr>
+          </a:lnRef>
+          <a:fillRef idx="1">
+            <a:schemeClr val="accent1"/>
+          </a:fillRef>
+          <a:effectRef idx="0">
+            <a:schemeClr val="accent1"/>
+          </a:effectRef>
+          <a:fontRef idx="minor">
+            <a:schemeClr val="lt1"/>
+          </a:fontRef>
+        </p:style>
+        <p:txBody>
+          <a:bodyPr rtlCol="0" anchor="ctr"/>
+          <a:lstStyle/>
+          <a:p>
+            <a:r>
+              <a:rPr lang="en-US" sz="2400" i="1" dirty="0">
+                <a:solidFill>
+                  <a:schemeClr val="tx1">
+                    <a:lumMod val="75000"/>
+                    <a:lumOff val="25000"/>
+                  </a:schemeClr>
+                </a:solidFill>
+                <a:latin typeface="Verdana" panose="020B0604030504040204" pitchFamily="34" charset="0"/>
+                <a:ea typeface="Verdana" panose="020B0604030504040204" pitchFamily="34" charset="0"/>
+                <a:cs typeface="Verdana" panose="020B0604030504040204" pitchFamily="34" charset="0"/>
+              </a:rPr>
+              <a:t>Corchorus olitorius</a:t>
+            </a:r>
+          </a:p>
+        </p:txBody>
+      </p:sp>
+      <p:sp>
+        <p:nvSpPr>
+          <p:cNvPr id="9" name="Rectangle 8">
+            <a:extLst>
+              <a:ext uri="{FF2B5EF4-FFF2-40B4-BE49-F238E27FC236}">
+                <a16:creationId xmlns:a16="http://schemas.microsoft.com/office/drawing/2014/main" id="{C51565AB-9E4E-32CD-53C6-F0000463F457}"/>
+              </a:ext>
+            </a:extLst>
+          </p:cNvPr>
+          <p:cNvSpPr/>
+          <p:nvPr/>
+        </p:nvSpPr>
+        <p:spPr>
+          <a:xfrm>
+            <a:off x="13264136" y="28611742"/>
+            <a:ext cx="3757016" cy="457035"/>
+          </a:xfrm>
+          <a:prstGeom prst="rect">
+            <a:avLst/>
+          </a:prstGeom>
+          <a:solidFill>
+            <a:schemeClr val="bg1"/>
+          </a:solidFill>
+          <a:ln>
+            <a:noFill/>
+          </a:ln>
+        </p:spPr>
+        <p:style>
+          <a:lnRef idx="2">
+            <a:schemeClr val="accent1">
+              <a:shade val="15000"/>
+            </a:schemeClr>
+          </a:lnRef>
+          <a:fillRef idx="1">
+            <a:schemeClr val="accent1"/>
+          </a:fillRef>
+          <a:effectRef idx="0">
+            <a:schemeClr val="accent1"/>
+          </a:effectRef>
+          <a:fontRef idx="minor">
+            <a:schemeClr val="lt1"/>
+          </a:fontRef>
+        </p:style>
+        <p:txBody>
+          <a:bodyPr rtlCol="0" anchor="ctr"/>
+          <a:lstStyle/>
+          <a:p>
+            <a:r>
+              <a:rPr lang="en-US" sz="2400" i="1" dirty="0">
+                <a:solidFill>
+                  <a:schemeClr val="tx1">
+                    <a:lumMod val="75000"/>
+                    <a:lumOff val="25000"/>
+                  </a:schemeClr>
+                </a:solidFill>
+                <a:latin typeface="Verdana" panose="020B0604030504040204" pitchFamily="34" charset="0"/>
+                <a:ea typeface="Verdana" panose="020B0604030504040204" pitchFamily="34" charset="0"/>
+                <a:cs typeface="Verdana" panose="020B0604030504040204" pitchFamily="34" charset="0"/>
+              </a:rPr>
+              <a:t>Solanum macrocarpon</a:t>
+            </a:r>
+          </a:p>
+        </p:txBody>
+      </p:sp>
+      <p:sp>
+        <p:nvSpPr>
+          <p:cNvPr id="10" name="Rectangle 9">
+            <a:extLst>
+              <a:ext uri="{FF2B5EF4-FFF2-40B4-BE49-F238E27FC236}">
+                <a16:creationId xmlns:a16="http://schemas.microsoft.com/office/drawing/2014/main" id="{B0E71E23-8A23-761B-675B-6493F1A24F16}"/>
+              </a:ext>
+            </a:extLst>
+          </p:cNvPr>
+          <p:cNvSpPr/>
+          <p:nvPr/>
+        </p:nvSpPr>
+        <p:spPr>
+          <a:xfrm>
+            <a:off x="17664328" y="28613480"/>
+            <a:ext cx="3414436" cy="457035"/>
+          </a:xfrm>
+          <a:prstGeom prst="rect">
+            <a:avLst/>
+          </a:prstGeom>
+          <a:solidFill>
+            <a:schemeClr val="bg1"/>
+          </a:solidFill>
+          <a:ln>
+            <a:noFill/>
+          </a:ln>
+        </p:spPr>
+        <p:style>
+          <a:lnRef idx="2">
+            <a:schemeClr val="accent1">
+              <a:shade val="15000"/>
+            </a:schemeClr>
+          </a:lnRef>
+          <a:fillRef idx="1">
+            <a:schemeClr val="accent1"/>
+          </a:fillRef>
+          <a:effectRef idx="0">
+            <a:schemeClr val="accent1"/>
+          </a:effectRef>
+          <a:fontRef idx="minor">
+            <a:schemeClr val="lt1"/>
+          </a:fontRef>
+        </p:style>
+        <p:txBody>
+          <a:bodyPr rtlCol="0" anchor="ctr"/>
+          <a:lstStyle/>
+          <a:p>
+            <a:r>
+              <a:rPr lang="en-US" sz="2400" i="1" dirty="0">
                 <a:solidFill>
                   <a:schemeClr val="tx1">
                     <a:lumMod val="75000"/>
